--- a/Projekt Feladat.pptx
+++ b/Projekt Feladat.pptx
@@ -9,12 +9,13 @@
     <p:sldId id="257" r:id="rId3"/>
     <p:sldId id="258" r:id="rId4"/>
     <p:sldId id="259" r:id="rId5"/>
-    <p:sldId id="260" r:id="rId6"/>
-    <p:sldId id="261" r:id="rId7"/>
-    <p:sldId id="262" r:id="rId8"/>
-    <p:sldId id="263" r:id="rId9"/>
-    <p:sldId id="264" r:id="rId10"/>
-    <p:sldId id="265" r:id="rId11"/>
+    <p:sldId id="266" r:id="rId6"/>
+    <p:sldId id="260" r:id="rId7"/>
+    <p:sldId id="261" r:id="rId8"/>
+    <p:sldId id="262" r:id="rId9"/>
+    <p:sldId id="263" r:id="rId10"/>
+    <p:sldId id="264" r:id="rId11"/>
+    <p:sldId id="265" r:id="rId12"/>
   </p:sldIdLst>
   <p:sldSz cx="12192000" cy="6858000"/>
   <p:notesSz cx="6858000" cy="9144000"/>
@@ -113,6 +114,11 @@
       </a:defRPr>
     </a:lvl9pPr>
   </p:defaultTextStyle>
+  <p:extLst>
+    <p:ext uri="{EFAFB233-063F-42B5-8137-9DF3F51BA10A}">
+      <p15:sldGuideLst xmlns:p15="http://schemas.microsoft.com/office/powerpoint/2012/main"/>
+    </p:ext>
+  </p:extLst>
 </p:presentation>
 </file>
 
@@ -841,7 +847,7 @@
             <a:fld id="{B61BEF0D-F0BB-DE4B-95CE-6DB70DBA9567}" type="datetimeFigureOut">
               <a:rPr lang="en-US" dirty="0"/>
               <a:pPr/>
-              <a:t>1/9/2026</a:t>
+              <a:t>1/14/2026</a:t>
             </a:fld>
             <a:endParaRPr lang="en-US" dirty="0"/>
           </a:p>
@@ -1089,7 +1095,7 @@
             <a:fld id="{B61BEF0D-F0BB-DE4B-95CE-6DB70DBA9567}" type="datetimeFigureOut">
               <a:rPr lang="en-US" dirty="0"/>
               <a:pPr/>
-              <a:t>1/9/2026</a:t>
+              <a:t>1/14/2026</a:t>
             </a:fld>
             <a:endParaRPr lang="en-US" dirty="0"/>
           </a:p>
@@ -1400,7 +1406,7 @@
             <a:fld id="{B61BEF0D-F0BB-DE4B-95CE-6DB70DBA9567}" type="datetimeFigureOut">
               <a:rPr lang="en-US" dirty="0"/>
               <a:pPr/>
-              <a:t>1/9/2026</a:t>
+              <a:t>1/14/2026</a:t>
             </a:fld>
             <a:endParaRPr lang="en-US" dirty="0"/>
           </a:p>
@@ -1724,7 +1730,7 @@
             <a:fld id="{B61BEF0D-F0BB-DE4B-95CE-6DB70DBA9567}" type="datetimeFigureOut">
               <a:rPr lang="en-US" dirty="0"/>
               <a:pPr/>
-              <a:t>1/9/2026</a:t>
+              <a:t>1/14/2026</a:t>
             </a:fld>
             <a:endParaRPr lang="en-US" dirty="0"/>
           </a:p>
@@ -2035,7 +2041,7 @@
             <a:fld id="{B61BEF0D-F0BB-DE4B-95CE-6DB70DBA9567}" type="datetimeFigureOut">
               <a:rPr lang="en-US" dirty="0"/>
               <a:pPr/>
-              <a:t>1/9/2026</a:t>
+              <a:t>1/14/2026</a:t>
             </a:fld>
             <a:endParaRPr lang="en-US" dirty="0"/>
           </a:p>
@@ -2419,7 +2425,7 @@
             <a:fld id="{B61BEF0D-F0BB-DE4B-95CE-6DB70DBA9567}" type="datetimeFigureOut">
               <a:rPr lang="en-US" dirty="0"/>
               <a:pPr/>
-              <a:t>1/9/2026</a:t>
+              <a:t>1/14/2026</a:t>
             </a:fld>
             <a:endParaRPr lang="en-US" dirty="0"/>
           </a:p>
@@ -2585,7 +2591,7 @@
           <a:p>
             <a:fld id="{55C6B4A9-1611-4792-9094-5F34BCA07E0B}" type="datetimeFigureOut">
               <a:rPr lang="en-US" dirty="0"/>
-              <a:t>1/9/2026</a:t>
+              <a:t>1/14/2026</a:t>
             </a:fld>
             <a:endParaRPr lang="en-US" dirty="0"/>
           </a:p>
@@ -2761,7 +2767,7 @@
             <a:fld id="{B61BEF0D-F0BB-DE4B-95CE-6DB70DBA9567}" type="datetimeFigureOut">
               <a:rPr lang="en-US" dirty="0"/>
               <a:pPr/>
-              <a:t>1/9/2026</a:t>
+              <a:t>1/14/2026</a:t>
             </a:fld>
             <a:endParaRPr lang="en-US" dirty="0"/>
           </a:p>
@@ -2934,7 +2940,7 @@
             <a:fld id="{B61BEF0D-F0BB-DE4B-95CE-6DB70DBA9567}" type="datetimeFigureOut">
               <a:rPr lang="en-US" dirty="0"/>
               <a:pPr/>
-              <a:t>1/9/2026</a:t>
+              <a:t>1/14/2026</a:t>
             </a:fld>
             <a:endParaRPr lang="en-US" dirty="0"/>
           </a:p>
@@ -3178,7 +3184,7 @@
             <a:fld id="{B61BEF0D-F0BB-DE4B-95CE-6DB70DBA9567}" type="datetimeFigureOut">
               <a:rPr lang="en-US" dirty="0"/>
               <a:pPr/>
-              <a:t>1/9/2026</a:t>
+              <a:t>1/14/2026</a:t>
             </a:fld>
             <a:endParaRPr lang="en-US" dirty="0"/>
           </a:p>
@@ -3406,7 +3412,7 @@
           <a:p>
             <a:fld id="{EB712588-04B1-427B-82EE-E8DB90309F08}" type="datetimeFigureOut">
               <a:rPr lang="en-US" dirty="0"/>
-              <a:t>1/9/2026</a:t>
+              <a:t>1/14/2026</a:t>
             </a:fld>
             <a:endParaRPr lang="en-US" dirty="0"/>
           </a:p>
@@ -3776,7 +3782,7 @@
             <a:fld id="{B61BEF0D-F0BB-DE4B-95CE-6DB70DBA9567}" type="datetimeFigureOut">
               <a:rPr lang="en-US" dirty="0"/>
               <a:pPr/>
-              <a:t>1/9/2026</a:t>
+              <a:t>1/14/2026</a:t>
             </a:fld>
             <a:endParaRPr lang="en-US" dirty="0"/>
           </a:p>
@@ -3896,7 +3902,7 @@
             <a:fld id="{B61BEF0D-F0BB-DE4B-95CE-6DB70DBA9567}" type="datetimeFigureOut">
               <a:rPr lang="en-US" dirty="0"/>
               <a:pPr/>
-              <a:t>1/9/2026</a:t>
+              <a:t>1/14/2026</a:t>
             </a:fld>
             <a:endParaRPr lang="en-US" dirty="0"/>
           </a:p>
@@ -3988,7 +3994,7 @@
             <a:fld id="{B61BEF0D-F0BB-DE4B-95CE-6DB70DBA9567}" type="datetimeFigureOut">
               <a:rPr lang="en-US" dirty="0"/>
               <a:pPr/>
-              <a:t>1/9/2026</a:t>
+              <a:t>1/14/2026</a:t>
             </a:fld>
             <a:endParaRPr lang="en-US" dirty="0"/>
           </a:p>
@@ -4239,7 +4245,7 @@
           <a:p>
             <a:fld id="{42A54C80-263E-416B-A8E0-580EDEADCBDC}" type="datetimeFigureOut">
               <a:rPr lang="en-US" dirty="0"/>
-              <a:t>1/9/2026</a:t>
+              <a:t>1/14/2026</a:t>
             </a:fld>
             <a:endParaRPr lang="en-US" dirty="0"/>
           </a:p>
@@ -4498,7 +4504,7 @@
             <a:fld id="{B61BEF0D-F0BB-DE4B-95CE-6DB70DBA9567}" type="datetimeFigureOut">
               <a:rPr lang="en-US" dirty="0"/>
               <a:pPr/>
-              <a:t>1/9/2026</a:t>
+              <a:t>1/14/2026</a:t>
             </a:fld>
             <a:endParaRPr lang="en-US" dirty="0"/>
           </a:p>
@@ -5240,7 +5246,7 @@
             <a:fld id="{B61BEF0D-F0BB-DE4B-95CE-6DB70DBA9567}" type="datetimeFigureOut">
               <a:rPr lang="en-US" dirty="0"/>
               <a:pPr/>
-              <a:t>1/9/2026</a:t>
+              <a:t>1/14/2026</a:t>
             </a:fld>
             <a:endParaRPr lang="en-US" dirty="0"/>
           </a:p>
@@ -5859,6 +5865,120 @@
           <p:cNvPr id="2" name="Cím 1">
             <a:extLst>
               <a:ext uri="{FF2B5EF4-FFF2-40B4-BE49-F238E27FC236}">
+                <a16:creationId xmlns:a16="http://schemas.microsoft.com/office/drawing/2014/main" id="{B3A8D8D6-C272-48DB-932C-2B2F426D63D2}"/>
+              </a:ext>
+            </a:extLst>
+          </p:cNvPr>
+          <p:cNvSpPr>
+            <a:spLocks noGrp="1"/>
+          </p:cNvSpPr>
+          <p:nvPr>
+            <p:ph type="title"/>
+          </p:nvPr>
+        </p:nvSpPr>
+        <p:spPr/>
+        <p:txBody>
+          <a:bodyPr/>
+          <a:lstStyle/>
+          <a:p>
+            <a:r>
+              <a:rPr lang="hu-HU" dirty="0" err="1"/>
+              <a:t>Titkarsag</a:t>
+            </a:r>
+            <a:endParaRPr lang="hu-HU" dirty="0"/>
+          </a:p>
+        </p:txBody>
+      </p:sp>
+      <p:sp>
+        <p:nvSpPr>
+          <p:cNvPr id="3" name="Tartalom helye 2">
+            <a:extLst>
+              <a:ext uri="{FF2B5EF4-FFF2-40B4-BE49-F238E27FC236}">
+                <a16:creationId xmlns:a16="http://schemas.microsoft.com/office/drawing/2014/main" id="{BF866790-4382-4CC5-85B9-D77D5C6B5A58}"/>
+              </a:ext>
+            </a:extLst>
+          </p:cNvPr>
+          <p:cNvSpPr>
+            <a:spLocks noGrp="1"/>
+          </p:cNvSpPr>
+          <p:nvPr>
+            <p:ph idx="1"/>
+          </p:nvPr>
+        </p:nvSpPr>
+        <p:spPr/>
+        <p:txBody>
+          <a:bodyPr/>
+          <a:lstStyle/>
+          <a:p>
+            <a:endParaRPr lang="hu-HU" dirty="0"/>
+          </a:p>
+        </p:txBody>
+      </p:sp>
+      <p:pic>
+        <p:nvPicPr>
+          <p:cNvPr id="5" name="Kép 4">
+            <a:extLst>
+              <a:ext uri="{FF2B5EF4-FFF2-40B4-BE49-F238E27FC236}">
+                <a16:creationId xmlns:a16="http://schemas.microsoft.com/office/drawing/2014/main" id="{F183A7CC-2860-4D5F-8816-5EE21C7FA6D3}"/>
+              </a:ext>
+            </a:extLst>
+          </p:cNvPr>
+          <p:cNvPicPr>
+            <a:picLocks noChangeAspect="1"/>
+          </p:cNvPicPr>
+          <p:nvPr/>
+        </p:nvPicPr>
+        <p:blipFill>
+          <a:blip r:embed="rId2"/>
+          <a:stretch>
+            <a:fillRect/>
+          </a:stretch>
+        </p:blipFill>
+        <p:spPr>
+          <a:xfrm>
+            <a:off x="677334" y="2533436"/>
+            <a:ext cx="8596668" cy="1612826"/>
+          </a:xfrm>
+          <a:prstGeom prst="rect">
+            <a:avLst/>
+          </a:prstGeom>
+        </p:spPr>
+      </p:pic>
+    </p:spTree>
+    <p:extLst>
+      <p:ext uri="{BB962C8B-B14F-4D97-AF65-F5344CB8AC3E}">
+        <p14:creationId xmlns:p14="http://schemas.microsoft.com/office/powerpoint/2010/main" val="3694272792"/>
+      </p:ext>
+    </p:extLst>
+  </p:cSld>
+  <p:clrMapOvr>
+    <a:masterClrMapping/>
+  </p:clrMapOvr>
+</p:sld>
+</file>
+
+<file path=ppt/slides/slide11.xml><?xml version="1.0" encoding="utf-8"?>
+<p:sld xmlns:a="http://schemas.openxmlformats.org/drawingml/2006/main" xmlns:r="http://schemas.openxmlformats.org/officeDocument/2006/relationships" xmlns:p="http://schemas.openxmlformats.org/presentationml/2006/main">
+  <p:cSld>
+    <p:spTree>
+      <p:nvGrpSpPr>
+        <p:cNvPr id="1" name=""/>
+        <p:cNvGrpSpPr/>
+        <p:nvPr/>
+      </p:nvGrpSpPr>
+      <p:grpSpPr>
+        <a:xfrm>
+          <a:off x="0" y="0"/>
+          <a:ext cx="0" cy="0"/>
+          <a:chOff x="0" y="0"/>
+          <a:chExt cx="0" cy="0"/>
+        </a:xfrm>
+      </p:grpSpPr>
+      <p:sp>
+        <p:nvSpPr>
+          <p:cNvPr id="2" name="Cím 1">
+            <a:extLst>
+              <a:ext uri="{FF2B5EF4-FFF2-40B4-BE49-F238E27FC236}">
                 <a16:creationId xmlns:a16="http://schemas.microsoft.com/office/drawing/2014/main" id="{7EF5E8EC-5E7F-4CAC-AF2B-7384DE9ED2F3}"/>
               </a:ext>
             </a:extLst>
@@ -6109,10 +6229,10 @@
       </p:sp>
       <p:pic>
         <p:nvPicPr>
-          <p:cNvPr id="4" name="Kép 3">
+          <p:cNvPr id="5" name="Kép 4">
             <a:extLst>
               <a:ext uri="{FF2B5EF4-FFF2-40B4-BE49-F238E27FC236}">
-                <a16:creationId xmlns:a16="http://schemas.microsoft.com/office/drawing/2014/main" id="{831ABFA3-BCDF-4E67-8A89-C8A6A1EBC02B}"/>
+                <a16:creationId xmlns:a16="http://schemas.microsoft.com/office/drawing/2014/main" id="{0278FD2E-3833-4E3D-88EB-847D1B56A6AC}"/>
               </a:ext>
             </a:extLst>
           </p:cNvPr>
@@ -6129,8 +6249,8 @@
         </p:blipFill>
         <p:spPr>
           <a:xfrm>
-            <a:off x="0" y="2096207"/>
-            <a:ext cx="12192000" cy="4761793"/>
+            <a:off x="0" y="2160589"/>
+            <a:ext cx="12192000" cy="4678326"/>
           </a:xfrm>
           <a:prstGeom prst="rect">
             <a:avLst/>
@@ -6286,7 +6406,7 @@
           <p:cNvPr id="2" name="Cím 1">
             <a:extLst>
               <a:ext uri="{FF2B5EF4-FFF2-40B4-BE49-F238E27FC236}">
-                <a16:creationId xmlns:a16="http://schemas.microsoft.com/office/drawing/2014/main" id="{12388885-A69F-4065-A8CF-624C7293FA01}"/>
+                <a16:creationId xmlns:a16="http://schemas.microsoft.com/office/drawing/2014/main" id="{7086242B-6A6A-4701-8B12-824773FE5D40}"/>
               </a:ext>
             </a:extLst>
           </p:cNvPr>
@@ -6304,15 +6424,7 @@
           <a:p>
             <a:r>
               <a:rPr lang="hu-HU" dirty="0" err="1"/>
-              <a:t>Folyoso</a:t>
-            </a:r>
-            <a:r>
-              <a:rPr lang="hu-HU" dirty="0"/>
-              <a:t> </a:t>
-            </a:r>
-            <a:r>
-              <a:rPr lang="hu-HU" dirty="0" err="1"/>
-              <a:t>switch</a:t>
+              <a:t>Termek_router</a:t>
             </a:r>
             <a:endParaRPr lang="hu-HU" dirty="0"/>
           </a:p>
@@ -6323,7 +6435,7 @@
           <p:cNvPr id="4" name="Tartalom helye 3">
             <a:extLst>
               <a:ext uri="{FF2B5EF4-FFF2-40B4-BE49-F238E27FC236}">
-                <a16:creationId xmlns:a16="http://schemas.microsoft.com/office/drawing/2014/main" id="{FA55D086-4EF9-4D06-BD7B-B36A10C2C1E4}"/>
+                <a16:creationId xmlns:a16="http://schemas.microsoft.com/office/drawing/2014/main" id="{B55E5C6F-89CC-4096-B737-0DF59A35ED13}"/>
               </a:ext>
             </a:extLst>
           </p:cNvPr>
@@ -6342,8 +6454,107 @@
         </p:blipFill>
         <p:spPr>
           <a:xfrm>
-            <a:off x="677334" y="2071898"/>
-            <a:ext cx="6154495" cy="3555332"/>
+            <a:off x="850376" y="2286188"/>
+            <a:ext cx="8423626" cy="2285623"/>
+          </a:xfrm>
+          <a:prstGeom prst="rect">
+            <a:avLst/>
+          </a:prstGeom>
+        </p:spPr>
+      </p:pic>
+    </p:spTree>
+    <p:extLst>
+      <p:ext uri="{BB962C8B-B14F-4D97-AF65-F5344CB8AC3E}">
+        <p14:creationId xmlns:p14="http://schemas.microsoft.com/office/powerpoint/2010/main" val="2015659347"/>
+      </p:ext>
+    </p:extLst>
+  </p:cSld>
+  <p:clrMapOvr>
+    <a:masterClrMapping/>
+  </p:clrMapOvr>
+</p:sld>
+</file>
+
+<file path=ppt/slides/slide6.xml><?xml version="1.0" encoding="utf-8"?>
+<p:sld xmlns:a="http://schemas.openxmlformats.org/drawingml/2006/main" xmlns:r="http://schemas.openxmlformats.org/officeDocument/2006/relationships" xmlns:p="http://schemas.openxmlformats.org/presentationml/2006/main">
+  <p:cSld>
+    <p:spTree>
+      <p:nvGrpSpPr>
+        <p:cNvPr id="1" name=""/>
+        <p:cNvGrpSpPr/>
+        <p:nvPr/>
+      </p:nvGrpSpPr>
+      <p:grpSpPr>
+        <a:xfrm>
+          <a:off x="0" y="0"/>
+          <a:ext cx="0" cy="0"/>
+          <a:chOff x="0" y="0"/>
+          <a:chExt cx="0" cy="0"/>
+        </a:xfrm>
+      </p:grpSpPr>
+      <p:sp>
+        <p:nvSpPr>
+          <p:cNvPr id="2" name="Cím 1">
+            <a:extLst>
+              <a:ext uri="{FF2B5EF4-FFF2-40B4-BE49-F238E27FC236}">
+                <a16:creationId xmlns:a16="http://schemas.microsoft.com/office/drawing/2014/main" id="{12388885-A69F-4065-A8CF-624C7293FA01}"/>
+              </a:ext>
+            </a:extLst>
+          </p:cNvPr>
+          <p:cNvSpPr>
+            <a:spLocks noGrp="1"/>
+          </p:cNvSpPr>
+          <p:nvPr>
+            <p:ph type="title"/>
+          </p:nvPr>
+        </p:nvSpPr>
+        <p:spPr/>
+        <p:txBody>
+          <a:bodyPr/>
+          <a:lstStyle/>
+          <a:p>
+            <a:r>
+              <a:rPr lang="hu-HU" dirty="0" err="1"/>
+              <a:t>Folyoso</a:t>
+            </a:r>
+            <a:r>
+              <a:rPr lang="hu-HU" dirty="0"/>
+              <a:t> </a:t>
+            </a:r>
+            <a:r>
+              <a:rPr lang="hu-HU" dirty="0" err="1"/>
+              <a:t>switch</a:t>
+            </a:r>
+            <a:endParaRPr lang="hu-HU" dirty="0"/>
+          </a:p>
+        </p:txBody>
+      </p:sp>
+      <p:pic>
+        <p:nvPicPr>
+          <p:cNvPr id="6" name="Tartalom helye 5">
+            <a:extLst>
+              <a:ext uri="{FF2B5EF4-FFF2-40B4-BE49-F238E27FC236}">
+                <a16:creationId xmlns:a16="http://schemas.microsoft.com/office/drawing/2014/main" id="{92329DC9-8B66-41C8-8181-65A226E4AC57}"/>
+              </a:ext>
+            </a:extLst>
+          </p:cNvPr>
+          <p:cNvPicPr>
+            <a:picLocks noGrp="1" noChangeAspect="1"/>
+          </p:cNvPicPr>
+          <p:nvPr>
+            <p:ph idx="1"/>
+          </p:nvPr>
+        </p:nvPicPr>
+        <p:blipFill>
+          <a:blip r:embed="rId2"/>
+          <a:stretch>
+            <a:fillRect/>
+          </a:stretch>
+        </p:blipFill>
+        <p:spPr>
+          <a:xfrm>
+            <a:off x="677334" y="2339473"/>
+            <a:ext cx="9209271" cy="2935706"/>
           </a:xfrm>
           <a:prstGeom prst="rect">
             <a:avLst/>
@@ -6363,7 +6574,7 @@
 </p:sld>
 </file>
 
-<file path=ppt/slides/slide6.xml><?xml version="1.0" encoding="utf-8"?>
+<file path=ppt/slides/slide7.xml><?xml version="1.0" encoding="utf-8"?>
 <p:sld xmlns:a="http://schemas.openxmlformats.org/drawingml/2006/main" xmlns:r="http://schemas.openxmlformats.org/officeDocument/2006/relationships" xmlns:p="http://schemas.openxmlformats.org/presentationml/2006/main">
   <p:cSld>
     <p:spTree>
@@ -6476,7 +6687,7 @@
 </p:sld>
 </file>
 
-<file path=ppt/slides/slide7.xml><?xml version="1.0" encoding="utf-8"?>
+<file path=ppt/slides/slide8.xml><?xml version="1.0" encoding="utf-8"?>
 <p:sld xmlns:a="http://schemas.openxmlformats.org/drawingml/2006/main" xmlns:r="http://schemas.openxmlformats.org/officeDocument/2006/relationships" xmlns:p="http://schemas.openxmlformats.org/presentationml/2006/main">
   <p:cSld>
     <p:spTree>
@@ -6566,7 +6777,7 @@
 </p:sld>
 </file>
 
-<file path=ppt/slides/slide8.xml><?xml version="1.0" encoding="utf-8"?>
+<file path=ppt/slides/slide9.xml><?xml version="1.0" encoding="utf-8"?>
 <p:sld xmlns:a="http://schemas.openxmlformats.org/drawingml/2006/main" xmlns:r="http://schemas.openxmlformats.org/officeDocument/2006/relationships" xmlns:p="http://schemas.openxmlformats.org/presentationml/2006/main">
   <p:cSld>
     <p:spTree>
@@ -6670,120 +6881,6 @@
     <p:extLst>
       <p:ext uri="{BB962C8B-B14F-4D97-AF65-F5344CB8AC3E}">
         <p14:creationId xmlns:p14="http://schemas.microsoft.com/office/powerpoint/2010/main" val="896725170"/>
-      </p:ext>
-    </p:extLst>
-  </p:cSld>
-  <p:clrMapOvr>
-    <a:masterClrMapping/>
-  </p:clrMapOvr>
-</p:sld>
-</file>
-
-<file path=ppt/slides/slide9.xml><?xml version="1.0" encoding="utf-8"?>
-<p:sld xmlns:a="http://schemas.openxmlformats.org/drawingml/2006/main" xmlns:r="http://schemas.openxmlformats.org/officeDocument/2006/relationships" xmlns:p="http://schemas.openxmlformats.org/presentationml/2006/main">
-  <p:cSld>
-    <p:spTree>
-      <p:nvGrpSpPr>
-        <p:cNvPr id="1" name=""/>
-        <p:cNvGrpSpPr/>
-        <p:nvPr/>
-      </p:nvGrpSpPr>
-      <p:grpSpPr>
-        <a:xfrm>
-          <a:off x="0" y="0"/>
-          <a:ext cx="0" cy="0"/>
-          <a:chOff x="0" y="0"/>
-          <a:chExt cx="0" cy="0"/>
-        </a:xfrm>
-      </p:grpSpPr>
-      <p:sp>
-        <p:nvSpPr>
-          <p:cNvPr id="2" name="Cím 1">
-            <a:extLst>
-              <a:ext uri="{FF2B5EF4-FFF2-40B4-BE49-F238E27FC236}">
-                <a16:creationId xmlns:a16="http://schemas.microsoft.com/office/drawing/2014/main" id="{B3A8D8D6-C272-48DB-932C-2B2F426D63D2}"/>
-              </a:ext>
-            </a:extLst>
-          </p:cNvPr>
-          <p:cNvSpPr>
-            <a:spLocks noGrp="1"/>
-          </p:cNvSpPr>
-          <p:nvPr>
-            <p:ph type="title"/>
-          </p:nvPr>
-        </p:nvSpPr>
-        <p:spPr/>
-        <p:txBody>
-          <a:bodyPr/>
-          <a:lstStyle/>
-          <a:p>
-            <a:r>
-              <a:rPr lang="hu-HU" dirty="0" err="1"/>
-              <a:t>Titkarsag</a:t>
-            </a:r>
-            <a:endParaRPr lang="hu-HU" dirty="0"/>
-          </a:p>
-        </p:txBody>
-      </p:sp>
-      <p:sp>
-        <p:nvSpPr>
-          <p:cNvPr id="3" name="Tartalom helye 2">
-            <a:extLst>
-              <a:ext uri="{FF2B5EF4-FFF2-40B4-BE49-F238E27FC236}">
-                <a16:creationId xmlns:a16="http://schemas.microsoft.com/office/drawing/2014/main" id="{BF866790-4382-4CC5-85B9-D77D5C6B5A58}"/>
-              </a:ext>
-            </a:extLst>
-          </p:cNvPr>
-          <p:cNvSpPr>
-            <a:spLocks noGrp="1"/>
-          </p:cNvSpPr>
-          <p:nvPr>
-            <p:ph idx="1"/>
-          </p:nvPr>
-        </p:nvSpPr>
-        <p:spPr/>
-        <p:txBody>
-          <a:bodyPr/>
-          <a:lstStyle/>
-          <a:p>
-            <a:endParaRPr lang="hu-HU" dirty="0"/>
-          </a:p>
-        </p:txBody>
-      </p:sp>
-      <p:pic>
-        <p:nvPicPr>
-          <p:cNvPr id="5" name="Kép 4">
-            <a:extLst>
-              <a:ext uri="{FF2B5EF4-FFF2-40B4-BE49-F238E27FC236}">
-                <a16:creationId xmlns:a16="http://schemas.microsoft.com/office/drawing/2014/main" id="{F183A7CC-2860-4D5F-8816-5EE21C7FA6D3}"/>
-              </a:ext>
-            </a:extLst>
-          </p:cNvPr>
-          <p:cNvPicPr>
-            <a:picLocks noChangeAspect="1"/>
-          </p:cNvPicPr>
-          <p:nvPr/>
-        </p:nvPicPr>
-        <p:blipFill>
-          <a:blip r:embed="rId2"/>
-          <a:stretch>
-            <a:fillRect/>
-          </a:stretch>
-        </p:blipFill>
-        <p:spPr>
-          <a:xfrm>
-            <a:off x="677334" y="2533436"/>
-            <a:ext cx="8596668" cy="1612826"/>
-          </a:xfrm>
-          <a:prstGeom prst="rect">
-            <a:avLst/>
-          </a:prstGeom>
-        </p:spPr>
-      </p:pic>
-    </p:spTree>
-    <p:extLst>
-      <p:ext uri="{BB962C8B-B14F-4D97-AF65-F5344CB8AC3E}">
-        <p14:creationId xmlns:p14="http://schemas.microsoft.com/office/powerpoint/2010/main" val="3694272792"/>
       </p:ext>
     </p:extLst>
   </p:cSld>
